--- a/Notes/Powerpoints/Command.pptx
+++ b/Notes/Powerpoints/Command.pptx
@@ -1226,7 +1226,7 @@
             <a:fld id="{B61BEF0D-F0BB-DE4B-95CE-6DB70DBA9567}" type="datetimeFigureOut">
               <a:rPr lang="en-US" dirty="0"/>
               <a:pPr/>
-              <a:t>2/6/2020</a:t>
+              <a:t>2/13/2020</a:t>
             </a:fld>
             <a:endParaRPr lang="en-US" dirty="0"/>
           </a:p>
@@ -1474,7 +1474,7 @@
             <a:fld id="{B61BEF0D-F0BB-DE4B-95CE-6DB70DBA9567}" type="datetimeFigureOut">
               <a:rPr lang="en-US" dirty="0"/>
               <a:pPr/>
-              <a:t>2/6/2020</a:t>
+              <a:t>2/13/2020</a:t>
             </a:fld>
             <a:endParaRPr lang="en-US" dirty="0"/>
           </a:p>
@@ -1785,7 +1785,7 @@
             <a:fld id="{B61BEF0D-F0BB-DE4B-95CE-6DB70DBA9567}" type="datetimeFigureOut">
               <a:rPr lang="en-US" dirty="0"/>
               <a:pPr/>
-              <a:t>2/6/2020</a:t>
+              <a:t>2/13/2020</a:t>
             </a:fld>
             <a:endParaRPr lang="en-US" dirty="0"/>
           </a:p>
@@ -2123,7 +2123,7 @@
             <a:fld id="{B61BEF0D-F0BB-DE4B-95CE-6DB70DBA9567}" type="datetimeFigureOut">
               <a:rPr lang="en-US" dirty="0"/>
               <a:pPr/>
-              <a:t>2/6/2020</a:t>
+              <a:t>2/13/2020</a:t>
             </a:fld>
             <a:endParaRPr lang="en-US" dirty="0"/>
           </a:p>
@@ -2434,7 +2434,7 @@
             <a:fld id="{B61BEF0D-F0BB-DE4B-95CE-6DB70DBA9567}" type="datetimeFigureOut">
               <a:rPr lang="en-US" dirty="0"/>
               <a:pPr/>
-              <a:t>2/6/2020</a:t>
+              <a:t>2/13/2020</a:t>
             </a:fld>
             <a:endParaRPr lang="en-US" dirty="0"/>
           </a:p>
@@ -2824,7 +2824,7 @@
             <a:fld id="{B61BEF0D-F0BB-DE4B-95CE-6DB70DBA9567}" type="datetimeFigureOut">
               <a:rPr lang="en-US" dirty="0"/>
               <a:pPr/>
-              <a:t>2/6/2020</a:t>
+              <a:t>2/13/2020</a:t>
             </a:fld>
             <a:endParaRPr lang="en-US" dirty="0"/>
           </a:p>
@@ -2990,7 +2990,7 @@
           <a:p>
             <a:fld id="{55C6B4A9-1611-4792-9094-5F34BCA07E0B}" type="datetimeFigureOut">
               <a:rPr lang="en-US" dirty="0"/>
-              <a:t>2/6/2020</a:t>
+              <a:t>2/13/2020</a:t>
             </a:fld>
             <a:endParaRPr lang="en-US" dirty="0"/>
           </a:p>
@@ -3166,7 +3166,7 @@
             <a:fld id="{B61BEF0D-F0BB-DE4B-95CE-6DB70DBA9567}" type="datetimeFigureOut">
               <a:rPr lang="en-US" dirty="0"/>
               <a:pPr/>
-              <a:t>2/6/2020</a:t>
+              <a:t>2/13/2020</a:t>
             </a:fld>
             <a:endParaRPr lang="en-US" dirty="0"/>
           </a:p>
@@ -3339,7 +3339,7 @@
             <a:fld id="{B61BEF0D-F0BB-DE4B-95CE-6DB70DBA9567}" type="datetimeFigureOut">
               <a:rPr lang="en-US" dirty="0"/>
               <a:pPr/>
-              <a:t>2/6/2020</a:t>
+              <a:t>2/13/2020</a:t>
             </a:fld>
             <a:endParaRPr lang="en-US" dirty="0"/>
           </a:p>
@@ -3583,7 +3583,7 @@
             <a:fld id="{B61BEF0D-F0BB-DE4B-95CE-6DB70DBA9567}" type="datetimeFigureOut">
               <a:rPr lang="en-US" dirty="0"/>
               <a:pPr/>
-              <a:t>2/6/2020</a:t>
+              <a:t>2/13/2020</a:t>
             </a:fld>
             <a:endParaRPr lang="en-US" dirty="0"/>
           </a:p>
@@ -3811,7 +3811,7 @@
           <a:p>
             <a:fld id="{EB712588-04B1-427B-82EE-E8DB90309F08}" type="datetimeFigureOut">
               <a:rPr lang="en-US" dirty="0"/>
-              <a:t>2/6/2020</a:t>
+              <a:t>2/13/2020</a:t>
             </a:fld>
             <a:endParaRPr lang="en-US" dirty="0"/>
           </a:p>
@@ -4181,7 +4181,7 @@
             <a:fld id="{B61BEF0D-F0BB-DE4B-95CE-6DB70DBA9567}" type="datetimeFigureOut">
               <a:rPr lang="en-US" dirty="0"/>
               <a:pPr/>
-              <a:t>2/6/2020</a:t>
+              <a:t>2/13/2020</a:t>
             </a:fld>
             <a:endParaRPr lang="en-US" dirty="0"/>
           </a:p>
@@ -4301,7 +4301,7 @@
             <a:fld id="{B61BEF0D-F0BB-DE4B-95CE-6DB70DBA9567}" type="datetimeFigureOut">
               <a:rPr lang="en-US" dirty="0"/>
               <a:pPr/>
-              <a:t>2/6/2020</a:t>
+              <a:t>2/13/2020</a:t>
             </a:fld>
             <a:endParaRPr lang="en-US" dirty="0"/>
           </a:p>
@@ -4393,7 +4393,7 @@
             <a:fld id="{B61BEF0D-F0BB-DE4B-95CE-6DB70DBA9567}" type="datetimeFigureOut">
               <a:rPr lang="en-US" dirty="0"/>
               <a:pPr/>
-              <a:t>2/6/2020</a:t>
+              <a:t>2/13/2020</a:t>
             </a:fld>
             <a:endParaRPr lang="en-US" dirty="0"/>
           </a:p>
@@ -4644,7 +4644,7 @@
           <a:p>
             <a:fld id="{42A54C80-263E-416B-A8E0-580EDEADCBDC}" type="datetimeFigureOut">
               <a:rPr lang="en-US" dirty="0"/>
-              <a:t>2/6/2020</a:t>
+              <a:t>2/13/2020</a:t>
             </a:fld>
             <a:endParaRPr lang="en-US" dirty="0"/>
           </a:p>
@@ -4903,7 +4903,7 @@
             <a:fld id="{B61BEF0D-F0BB-DE4B-95CE-6DB70DBA9567}" type="datetimeFigureOut">
               <a:rPr lang="en-US" dirty="0"/>
               <a:pPr/>
-              <a:t>2/6/2020</a:t>
+              <a:t>2/13/2020</a:t>
             </a:fld>
             <a:endParaRPr lang="en-US" dirty="0"/>
           </a:p>
@@ -5643,7 +5643,7 @@
             <a:fld id="{B61BEF0D-F0BB-DE4B-95CE-6DB70DBA9567}" type="datetimeFigureOut">
               <a:rPr lang="en-US" dirty="0"/>
               <a:pPr/>
-              <a:t>2/6/2020</a:t>
+              <a:t>2/13/2020</a:t>
             </a:fld>
             <a:endParaRPr lang="en-US" dirty="0"/>
           </a:p>
@@ -6457,7 +6457,7 @@
             </a:r>
             <a:r>
               <a:rPr lang="en-US" dirty="0"/>
-              <a:t> knows hot to perform the operations associated with carrying out a request. </a:t>
+              <a:t> knows how to perform the operations associated with carrying out a request. </a:t>
             </a:r>
           </a:p>
           <a:p>
@@ -6546,73 +6546,47 @@
           <a:p>
             <a:r>
               <a:rPr lang="en-US" dirty="0"/>
-              <a:t>Since the </a:t>
+              <a:t>Decouples the object that invokes the operation from the object that actually carries it out (referenced object in an </a:t>
+            </a:r>
+            <a:r>
+              <a:rPr lang="en-US" b="1" dirty="0" err="1"/>
+              <a:t>ConcreteCommand</a:t>
+            </a:r>
+            <a:r>
+              <a:rPr lang="en-US" dirty="0"/>
+              <a:t> object)</a:t>
+            </a:r>
+          </a:p>
+          <a:p>
+            <a:r>
+              <a:rPr lang="en-US" dirty="0"/>
+              <a:t>Chaining multiple commands is possible (</a:t>
+            </a:r>
+            <a:r>
+              <a:rPr lang="en-US" dirty="0" err="1"/>
+              <a:t>MacroCommand</a:t>
+            </a:r>
+            <a:r>
+              <a:rPr lang="en-US" dirty="0"/>
+              <a:t> in book text is an example), which can be designed as a </a:t>
             </a:r>
             <a:r>
               <a:rPr lang="en-US" b="1" dirty="0"/>
-              <a:t>Client</a:t>
+              <a:t>Composite</a:t>
             </a:r>
             <a:r>
               <a:rPr lang="en-US" dirty="0"/>
-              <a:t> has no explicit knowledge of the </a:t>
-            </a:r>
-            <a:r>
-              <a:rPr lang="en-US" b="1" dirty="0" err="1"/>
-              <a:t>ConcreteHandler</a:t>
-            </a:r>
+              <a:t>.</a:t>
+            </a:r>
+          </a:p>
+          <a:p>
             <a:r>
               <a:rPr lang="en-US" dirty="0"/>
-              <a:t> that will handle it, we decouple the client from any implementation of the </a:t>
-            </a:r>
-            <a:r>
-              <a:rPr lang="en-US" b="1" dirty="0"/>
-              <a:t>Handler</a:t>
-            </a:r>
-            <a:r>
-              <a:rPr lang="en-US" dirty="0"/>
-              <a:t>, we also decouple each </a:t>
-            </a:r>
-            <a:r>
-              <a:rPr lang="en-US" b="1" dirty="0"/>
-              <a:t>Handler</a:t>
-            </a:r>
-            <a:r>
-              <a:rPr lang="en-US" dirty="0"/>
-              <a:t>’s implementation from one another since they have no knowledge of the other </a:t>
-            </a:r>
-            <a:r>
-              <a:rPr lang="en-US" b="1" dirty="0" err="1"/>
-              <a:t>ConcreteHandlers</a:t>
-            </a:r>
-            <a:endParaRPr lang="en-US" b="1" dirty="0"/>
-          </a:p>
-          <a:p>
-            <a:r>
-              <a:rPr lang="en-US" dirty="0"/>
-              <a:t>Receipt isn’t guaranteed, since a request (and the </a:t>
-            </a:r>
-            <a:r>
-              <a:rPr lang="en-US" b="1" dirty="0"/>
-              <a:t>Client</a:t>
-            </a:r>
-            <a:r>
-              <a:rPr lang="en-US" dirty="0"/>
-              <a:t>) have no explicit reference to the receiver, there is no guarantee that the requests won't fall off the end of the chain without a </a:t>
-            </a:r>
-            <a:r>
-              <a:rPr lang="en-US" b="1" dirty="0" err="1"/>
-              <a:t>ConcreteHandler</a:t>
-            </a:r>
-            <a:r>
-              <a:rPr lang="en-US" dirty="0"/>
-              <a:t> taking responsibility for handling it. </a:t>
-            </a:r>
-          </a:p>
-          <a:p>
-            <a:r>
-              <a:rPr lang="en-US" dirty="0"/>
-              <a:t>Can multiple or just one Handler contribute to handling the request? There seems to be conflicting information online</a:t>
-            </a:r>
+              <a:t>Easy to add more commands</a:t>
+            </a:r>
+          </a:p>
+          <a:p>
+            <a:endParaRPr lang="en-US" dirty="0"/>
           </a:p>
         </p:txBody>
       </p:sp>
